--- a/introduction/egs.pptx
+++ b/introduction/egs.pptx
@@ -15,8 +15,6 @@
     <p:sldId id="268" r:id="rId9"/>
     <p:sldId id="269" r:id="rId10"/>
     <p:sldId id="260" r:id="rId11"/>
-    <p:sldId id="261" r:id="rId12"/>
-    <p:sldId id="262" r:id="rId13"/>
   </p:sldIdLst>
   <p:sldSz cx="9144000" cy="6858000" type="screen4x3"/>
   <p:notesSz cx="6858000" cy="9144000"/>
@@ -5950,186 +5948,6 @@
 </p:sld>
 </file>
 
-<file path=ppt/slides/slide11.xml><?xml version="1.0" encoding="utf-8"?>
-<p:sld xmlns:a="http://schemas.openxmlformats.org/drawingml/2006/main" xmlns:r="http://schemas.openxmlformats.org/officeDocument/2006/relationships" xmlns:p="http://schemas.openxmlformats.org/presentationml/2006/main">
-  <p:cSld>
-    <p:spTree>
-      <p:nvGrpSpPr>
-        <p:cNvPr id="1" name=""/>
-        <p:cNvGrpSpPr/>
-        <p:nvPr/>
-      </p:nvGrpSpPr>
-      <p:grpSpPr>
-        <a:xfrm>
-          <a:off x="0" y="0"/>
-          <a:ext cx="0" cy="0"/>
-          <a:chOff x="0" y="0"/>
-          <a:chExt cx="0" cy="0"/>
-        </a:xfrm>
-      </p:grpSpPr>
-      <p:sp>
-        <p:nvSpPr>
-          <p:cNvPr id="2" name="标题 1">
-            <a:extLst>
-              <a:ext uri="{FF2B5EF4-FFF2-40B4-BE49-F238E27FC236}">
-                <a16:creationId xmlns:a16="http://schemas.microsoft.com/office/drawing/2014/main" id="{8C173FBA-1D61-748D-A49F-9A397E1144B5}"/>
-              </a:ext>
-            </a:extLst>
-          </p:cNvPr>
-          <p:cNvSpPr>
-            <a:spLocks noGrp="1"/>
-          </p:cNvSpPr>
-          <p:nvPr>
-            <p:ph type="title"/>
-          </p:nvPr>
-        </p:nvSpPr>
-        <p:spPr/>
-        <p:txBody>
-          <a:bodyPr/>
-          <a:lstStyle/>
-          <a:p>
-            <a:r>
-              <a:rPr lang="zh-CN" altLang="en-US" dirty="0"/>
-              <a:t>支持作者</a:t>
-            </a:r>
-          </a:p>
-        </p:txBody>
-      </p:sp>
-      <p:sp>
-        <p:nvSpPr>
-          <p:cNvPr id="3" name="内容占位符 2">
-            <a:extLst>
-              <a:ext uri="{FF2B5EF4-FFF2-40B4-BE49-F238E27FC236}">
-                <a16:creationId xmlns:a16="http://schemas.microsoft.com/office/drawing/2014/main" id="{A6EC8DE6-F0B6-3301-A4E1-21AD2D37FAF6}"/>
-              </a:ext>
-            </a:extLst>
-          </p:cNvPr>
-          <p:cNvSpPr>
-            <a:spLocks noGrp="1"/>
-          </p:cNvSpPr>
-          <p:nvPr>
-            <p:ph idx="1"/>
-          </p:nvPr>
-        </p:nvSpPr>
-        <p:spPr/>
-        <p:txBody>
-          <a:bodyPr/>
-          <a:lstStyle/>
-          <a:p>
-            <a:r>
-              <a:rPr lang="zh-CN" altLang="en-US" dirty="0"/>
-              <a:t>如果觉得插件不错，不要忘记给本主题评分，你的评分是对作者的极大支持。此外，如果觉得评分支持不足以表达你的谢意，可以通过点击这张图片前往爱发电给作者发电</a:t>
-            </a:r>
-          </a:p>
-        </p:txBody>
-      </p:sp>
-    </p:spTree>
-    <p:extLst>
-      <p:ext uri="{BB962C8B-B14F-4D97-AF65-F5344CB8AC3E}">
-        <p14:creationId xmlns:p14="http://schemas.microsoft.com/office/powerpoint/2010/main" val="2848337944"/>
-      </p:ext>
-    </p:extLst>
-  </p:cSld>
-  <p:clrMapOvr>
-    <a:masterClrMapping/>
-  </p:clrMapOvr>
-</p:sld>
-</file>
-
-<file path=ppt/slides/slide12.xml><?xml version="1.0" encoding="utf-8"?>
-<p:sld xmlns:a="http://schemas.openxmlformats.org/drawingml/2006/main" xmlns:r="http://schemas.openxmlformats.org/officeDocument/2006/relationships" xmlns:p="http://schemas.openxmlformats.org/presentationml/2006/main">
-  <p:cSld>
-    <p:spTree>
-      <p:nvGrpSpPr>
-        <p:cNvPr id="1" name=""/>
-        <p:cNvGrpSpPr/>
-        <p:nvPr/>
-      </p:nvGrpSpPr>
-      <p:grpSpPr>
-        <a:xfrm>
-          <a:off x="0" y="0"/>
-          <a:ext cx="0" cy="0"/>
-          <a:chOff x="0" y="0"/>
-          <a:chExt cx="0" cy="0"/>
-        </a:xfrm>
-      </p:grpSpPr>
-      <p:sp>
-        <p:nvSpPr>
-          <p:cNvPr id="2" name="标题 1">
-            <a:extLst>
-              <a:ext uri="{FF2B5EF4-FFF2-40B4-BE49-F238E27FC236}">
-                <a16:creationId xmlns:a16="http://schemas.microsoft.com/office/drawing/2014/main" id="{92552098-E84A-C2FD-216A-7E970BA008BC}"/>
-              </a:ext>
-            </a:extLst>
-          </p:cNvPr>
-          <p:cNvSpPr>
-            <a:spLocks noGrp="1"/>
-          </p:cNvSpPr>
-          <p:nvPr>
-            <p:ph type="title"/>
-          </p:nvPr>
-        </p:nvSpPr>
-        <p:spPr/>
-        <p:txBody>
-          <a:bodyPr/>
-          <a:lstStyle/>
-          <a:p>
-            <a:r>
-              <a:rPr lang="zh-CN" altLang="en-US" dirty="0"/>
-              <a:t>原创声明</a:t>
-            </a:r>
-          </a:p>
-        </p:txBody>
-      </p:sp>
-      <p:sp>
-        <p:nvSpPr>
-          <p:cNvPr id="3" name="内容占位符 2">
-            <a:extLst>
-              <a:ext uri="{FF2B5EF4-FFF2-40B4-BE49-F238E27FC236}">
-                <a16:creationId xmlns:a16="http://schemas.microsoft.com/office/drawing/2014/main" id="{592CCFE2-A752-CA0A-6022-7798CC8B3677}"/>
-              </a:ext>
-            </a:extLst>
-          </p:cNvPr>
-          <p:cNvSpPr>
-            <a:spLocks noGrp="1"/>
-          </p:cNvSpPr>
-          <p:nvPr>
-            <p:ph idx="1"/>
-          </p:nvPr>
-        </p:nvSpPr>
-        <p:spPr/>
-        <p:txBody>
-          <a:bodyPr/>
-          <a:lstStyle/>
-          <a:p>
-            <a:r>
-              <a:rPr lang="zh-CN" altLang="en-US" dirty="0"/>
-              <a:t>本插件所用代码均为原创，不存在借用</a:t>
-            </a:r>
-            <a:r>
-              <a:rPr lang="en-US" altLang="zh-CN" dirty="0"/>
-              <a:t>/</a:t>
-            </a:r>
-            <a:r>
-              <a:rPr lang="zh-CN" altLang="en-US" dirty="0"/>
-              <a:t>抄袭等行为</a:t>
-            </a:r>
-          </a:p>
-        </p:txBody>
-      </p:sp>
-    </p:spTree>
-    <p:extLst>
-      <p:ext uri="{BB962C8B-B14F-4D97-AF65-F5344CB8AC3E}">
-        <p14:creationId xmlns:p14="http://schemas.microsoft.com/office/powerpoint/2010/main" val="2590569408"/>
-      </p:ext>
-    </p:extLst>
-  </p:cSld>
-  <p:clrMapOvr>
-    <a:masterClrMapping/>
-  </p:clrMapOvr>
-</p:sld>
-</file>
-
 <file path=ppt/slides/slide2.xml><?xml version="1.0" encoding="utf-8"?>
 <p:sld xmlns:a="http://schemas.openxmlformats.org/drawingml/2006/main" xmlns:r="http://schemas.openxmlformats.org/officeDocument/2006/relationships" xmlns:p="http://schemas.openxmlformats.org/presentationml/2006/main">
   <p:cSld>

--- a/introduction/egs.pptx
+++ b/introduction/egs.pptx
@@ -5930,7 +5930,7 @@
           <a:p>
             <a:r>
               <a:rPr lang="zh-CN" altLang="en-US" dirty="0"/>
-              <a:t>配置文件中配置项的相关教程已在配置文件中用注释被写清楚，其他内容的相关教程可以通过点击这张图片查看</a:t>
+              <a:t>配置文件中配置项的相关教程已在配置文件中用注释被写清楚，其他内容的相关教程可以通过点击这张图片查看。此外，应本站要求，此插件的指令和权限已也被添加到此图的下方</a:t>
             </a:r>
           </a:p>
         </p:txBody>

--- a/introduction/egs.pptx
+++ b/introduction/egs.pptx
@@ -9,12 +9,7 @@
     <p:sldId id="263" r:id="rId3"/>
     <p:sldId id="264" r:id="rId4"/>
     <p:sldId id="265" r:id="rId5"/>
-    <p:sldId id="259" r:id="rId6"/>
-    <p:sldId id="266" r:id="rId7"/>
-    <p:sldId id="267" r:id="rId8"/>
-    <p:sldId id="268" r:id="rId9"/>
-    <p:sldId id="269" r:id="rId10"/>
-    <p:sldId id="260" r:id="rId11"/>
+    <p:sldId id="260" r:id="rId6"/>
   </p:sldIdLst>
   <p:sldSz cx="9144000" cy="6858000" type="screen4x3"/>
   <p:notesSz cx="6858000" cy="9144000"/>
@@ -5862,92 +5857,6 @@
 </p:sld>
 </file>
 
-<file path=ppt/slides/slide10.xml><?xml version="1.0" encoding="utf-8"?>
-<p:sld xmlns:a="http://schemas.openxmlformats.org/drawingml/2006/main" xmlns:r="http://schemas.openxmlformats.org/officeDocument/2006/relationships" xmlns:p="http://schemas.openxmlformats.org/presentationml/2006/main">
-  <p:cSld>
-    <p:spTree>
-      <p:nvGrpSpPr>
-        <p:cNvPr id="1" name=""/>
-        <p:cNvGrpSpPr/>
-        <p:nvPr/>
-      </p:nvGrpSpPr>
-      <p:grpSpPr>
-        <a:xfrm>
-          <a:off x="0" y="0"/>
-          <a:ext cx="0" cy="0"/>
-          <a:chOff x="0" y="0"/>
-          <a:chExt cx="0" cy="0"/>
-        </a:xfrm>
-      </p:grpSpPr>
-      <p:sp>
-        <p:nvSpPr>
-          <p:cNvPr id="2" name="标题 1">
-            <a:extLst>
-              <a:ext uri="{FF2B5EF4-FFF2-40B4-BE49-F238E27FC236}">
-                <a16:creationId xmlns:a16="http://schemas.microsoft.com/office/drawing/2014/main" id="{8BCFC520-6B45-72E1-EE32-BF8F9D2B9C6F}"/>
-              </a:ext>
-            </a:extLst>
-          </p:cNvPr>
-          <p:cNvSpPr>
-            <a:spLocks noGrp="1"/>
-          </p:cNvSpPr>
-          <p:nvPr>
-            <p:ph type="title"/>
-          </p:nvPr>
-        </p:nvSpPr>
-        <p:spPr/>
-        <p:txBody>
-          <a:bodyPr/>
-          <a:lstStyle/>
-          <a:p>
-            <a:r>
-              <a:rPr lang="zh-CN" altLang="en-US" dirty="0"/>
-              <a:t>插件教程</a:t>
-            </a:r>
-          </a:p>
-        </p:txBody>
-      </p:sp>
-      <p:sp>
-        <p:nvSpPr>
-          <p:cNvPr id="3" name="内容占位符 2">
-            <a:extLst>
-              <a:ext uri="{FF2B5EF4-FFF2-40B4-BE49-F238E27FC236}">
-                <a16:creationId xmlns:a16="http://schemas.microsoft.com/office/drawing/2014/main" id="{9C2B74A3-F08A-9448-3DDD-448D54CF2FE4}"/>
-              </a:ext>
-            </a:extLst>
-          </p:cNvPr>
-          <p:cNvSpPr>
-            <a:spLocks noGrp="1"/>
-          </p:cNvSpPr>
-          <p:nvPr>
-            <p:ph idx="1"/>
-          </p:nvPr>
-        </p:nvSpPr>
-        <p:spPr/>
-        <p:txBody>
-          <a:bodyPr/>
-          <a:lstStyle/>
-          <a:p>
-            <a:r>
-              <a:rPr lang="zh-CN" altLang="en-US" dirty="0"/>
-              <a:t>配置文件中配置项的相关教程已在配置文件中用注释被写清楚，其他内容的相关教程可以通过点击这张图片查看。此外，应本站要求，此插件的指令和权限已也被添加到此图的下方</a:t>
-            </a:r>
-          </a:p>
-        </p:txBody>
-      </p:sp>
-    </p:spTree>
-    <p:extLst>
-      <p:ext uri="{BB962C8B-B14F-4D97-AF65-F5344CB8AC3E}">
-        <p14:creationId xmlns:p14="http://schemas.microsoft.com/office/powerpoint/2010/main" val="2218653869"/>
-      </p:ext>
-    </p:extLst>
-  </p:cSld>
-  <p:clrMapOvr>
-    <a:masterClrMapping/>
-  </p:clrMapOvr>
-</p:sld>
-</file>
-
 <file path=ppt/slides/slide2.xml><?xml version="1.0" encoding="utf-8"?>
 <p:sld xmlns:a="http://schemas.openxmlformats.org/drawingml/2006/main" xmlns:r="http://schemas.openxmlformats.org/officeDocument/2006/relationships" xmlns:p="http://schemas.openxmlformats.org/presentationml/2006/main">
   <p:cSld>
@@ -6357,7 +6266,7 @@
           <p:cNvPr id="2" name="标题 1">
             <a:extLst>
               <a:ext uri="{FF2B5EF4-FFF2-40B4-BE49-F238E27FC236}">
-                <a16:creationId xmlns:a16="http://schemas.microsoft.com/office/drawing/2014/main" id="{A2ACC7AE-9986-82B4-F467-836DC4602F8E}"/>
+                <a16:creationId xmlns:a16="http://schemas.microsoft.com/office/drawing/2014/main" id="{8BCFC520-6B45-72E1-EE32-BF8F9D2B9C6F}"/>
               </a:ext>
             </a:extLst>
           </p:cNvPr>
@@ -6375,422 +6284,44 @@
           <a:p>
             <a:r>
               <a:rPr lang="zh-CN" altLang="en-US" dirty="0"/>
-              <a:t>图片展示</a:t>
-            </a:r>
-          </a:p>
-        </p:txBody>
-      </p:sp>
-      <p:pic>
-        <p:nvPicPr>
-          <p:cNvPr id="4" name="内容占位符 3">
+              <a:t>插件教程</a:t>
+            </a:r>
+          </a:p>
+        </p:txBody>
+      </p:sp>
+      <p:sp>
+        <p:nvSpPr>
+          <p:cNvPr id="3" name="内容占位符 2">
             <a:extLst>
               <a:ext uri="{FF2B5EF4-FFF2-40B4-BE49-F238E27FC236}">
-                <a16:creationId xmlns:a16="http://schemas.microsoft.com/office/drawing/2014/main" id="{B34384FE-4C28-8D1A-0BB3-2DB5DA68A7BE}"/>
+                <a16:creationId xmlns:a16="http://schemas.microsoft.com/office/drawing/2014/main" id="{9C2B74A3-F08A-9448-3DDD-448D54CF2FE4}"/>
               </a:ext>
             </a:extLst>
           </p:cNvPr>
-          <p:cNvPicPr>
-            <a:picLocks noGrp="1" noChangeAspect="1"/>
-          </p:cNvPicPr>
+          <p:cNvSpPr>
+            <a:spLocks noGrp="1"/>
+          </p:cNvSpPr>
           <p:nvPr>
             <p:ph idx="1"/>
           </p:nvPr>
-        </p:nvPicPr>
-        <p:blipFill>
-          <a:blip r:embed="rId2">
-            <a:extLst>
-              <a:ext uri="{28A0092B-C50C-407E-A947-70E740481C1C}">
-                <a14:useLocalDpi xmlns:a14="http://schemas.microsoft.com/office/drawing/2010/main" val="0"/>
-              </a:ext>
-            </a:extLst>
-          </a:blip>
-          <a:stretch>
-            <a:fillRect/>
-          </a:stretch>
-        </p:blipFill>
-        <p:spPr>
-          <a:xfrm>
-            <a:off x="1688646" y="2490788"/>
-            <a:ext cx="5774645" cy="3444875"/>
-          </a:xfrm>
-        </p:spPr>
-      </p:pic>
+        </p:nvSpPr>
+        <p:spPr/>
+        <p:txBody>
+          <a:bodyPr/>
+          <a:lstStyle/>
+          <a:p>
+            <a:r>
+              <a:rPr lang="zh-CN" altLang="en-US"/>
+              <a:t>配置文件中配置项的相关教程已在配置文件中用注释被写清楚，其他内容的相关教程可以通过点击这张图片查看。此外，应本站要求，此插件的指令和权限已也被添加到此图的下方</a:t>
+            </a:r>
+            <a:endParaRPr lang="zh-CN" altLang="en-US" dirty="0"/>
+          </a:p>
+        </p:txBody>
+      </p:sp>
     </p:spTree>
     <p:extLst>
       <p:ext uri="{BB962C8B-B14F-4D97-AF65-F5344CB8AC3E}">
-        <p14:creationId xmlns:p14="http://schemas.microsoft.com/office/powerpoint/2010/main" val="860917311"/>
-      </p:ext>
-    </p:extLst>
-  </p:cSld>
-  <p:clrMapOvr>
-    <a:masterClrMapping/>
-  </p:clrMapOvr>
-</p:sld>
-</file>
-
-<file path=ppt/slides/slide6.xml><?xml version="1.0" encoding="utf-8"?>
-<p:sld xmlns:a="http://schemas.openxmlformats.org/drawingml/2006/main" xmlns:r="http://schemas.openxmlformats.org/officeDocument/2006/relationships" xmlns:p="http://schemas.openxmlformats.org/presentationml/2006/main">
-  <p:cSld>
-    <p:spTree>
-      <p:nvGrpSpPr>
-        <p:cNvPr id="1" name=""/>
-        <p:cNvGrpSpPr/>
-        <p:nvPr/>
-      </p:nvGrpSpPr>
-      <p:grpSpPr>
-        <a:xfrm>
-          <a:off x="0" y="0"/>
-          <a:ext cx="0" cy="0"/>
-          <a:chOff x="0" y="0"/>
-          <a:chExt cx="0" cy="0"/>
-        </a:xfrm>
-      </p:grpSpPr>
-      <p:sp>
-        <p:nvSpPr>
-          <p:cNvPr id="2" name="标题 1">
-            <a:extLst>
-              <a:ext uri="{FF2B5EF4-FFF2-40B4-BE49-F238E27FC236}">
-                <a16:creationId xmlns:a16="http://schemas.microsoft.com/office/drawing/2014/main" id="{EF39B92E-C94D-0CA1-A589-2EB42DF1497E}"/>
-              </a:ext>
-            </a:extLst>
-          </p:cNvPr>
-          <p:cNvSpPr>
-            <a:spLocks noGrp="1"/>
-          </p:cNvSpPr>
-          <p:nvPr>
-            <p:ph type="title"/>
-          </p:nvPr>
-        </p:nvSpPr>
-        <p:spPr/>
-        <p:txBody>
-          <a:bodyPr/>
-          <a:lstStyle/>
-          <a:p>
-            <a:r>
-              <a:rPr lang="zh-CN" altLang="en-US" dirty="0"/>
-              <a:t>图片展示</a:t>
-            </a:r>
-          </a:p>
-        </p:txBody>
-      </p:sp>
-      <p:pic>
-        <p:nvPicPr>
-          <p:cNvPr id="5" name="内容占位符 4">
-            <a:extLst>
-              <a:ext uri="{FF2B5EF4-FFF2-40B4-BE49-F238E27FC236}">
-                <a16:creationId xmlns:a16="http://schemas.microsoft.com/office/drawing/2014/main" id="{47C486E4-F46F-C8D7-2C56-7B852D0FB9BA}"/>
-              </a:ext>
-            </a:extLst>
-          </p:cNvPr>
-          <p:cNvPicPr>
-            <a:picLocks noGrp="1" noChangeAspect="1"/>
-          </p:cNvPicPr>
-          <p:nvPr>
-            <p:ph idx="1"/>
-          </p:nvPr>
-        </p:nvPicPr>
-        <p:blipFill>
-          <a:blip r:embed="rId2">
-            <a:extLst>
-              <a:ext uri="{28A0092B-C50C-407E-A947-70E740481C1C}">
-                <a14:useLocalDpi xmlns:a14="http://schemas.microsoft.com/office/drawing/2010/main" val="0"/>
-              </a:ext>
-            </a:extLst>
-          </a:blip>
-          <a:stretch>
-            <a:fillRect/>
-          </a:stretch>
-        </p:blipFill>
-        <p:spPr>
-          <a:xfrm>
-            <a:off x="1688646" y="2490788"/>
-            <a:ext cx="5774645" cy="3444875"/>
-          </a:xfrm>
-        </p:spPr>
-      </p:pic>
-    </p:spTree>
-    <p:extLst>
-      <p:ext uri="{BB962C8B-B14F-4D97-AF65-F5344CB8AC3E}">
-        <p14:creationId xmlns:p14="http://schemas.microsoft.com/office/powerpoint/2010/main" val="2619933282"/>
-      </p:ext>
-    </p:extLst>
-  </p:cSld>
-  <p:clrMapOvr>
-    <a:masterClrMapping/>
-  </p:clrMapOvr>
-</p:sld>
-</file>
-
-<file path=ppt/slides/slide7.xml><?xml version="1.0" encoding="utf-8"?>
-<p:sld xmlns:a="http://schemas.openxmlformats.org/drawingml/2006/main" xmlns:r="http://schemas.openxmlformats.org/officeDocument/2006/relationships" xmlns:p="http://schemas.openxmlformats.org/presentationml/2006/main">
-  <p:cSld>
-    <p:spTree>
-      <p:nvGrpSpPr>
-        <p:cNvPr id="1" name=""/>
-        <p:cNvGrpSpPr/>
-        <p:nvPr/>
-      </p:nvGrpSpPr>
-      <p:grpSpPr>
-        <a:xfrm>
-          <a:off x="0" y="0"/>
-          <a:ext cx="0" cy="0"/>
-          <a:chOff x="0" y="0"/>
-          <a:chExt cx="0" cy="0"/>
-        </a:xfrm>
-      </p:grpSpPr>
-      <p:sp>
-        <p:nvSpPr>
-          <p:cNvPr id="2" name="标题 1">
-            <a:extLst>
-              <a:ext uri="{FF2B5EF4-FFF2-40B4-BE49-F238E27FC236}">
-                <a16:creationId xmlns:a16="http://schemas.microsoft.com/office/drawing/2014/main" id="{A2ACC7AE-9986-82B4-F467-836DC4602F8E}"/>
-              </a:ext>
-            </a:extLst>
-          </p:cNvPr>
-          <p:cNvSpPr>
-            <a:spLocks noGrp="1"/>
-          </p:cNvSpPr>
-          <p:nvPr>
-            <p:ph type="title"/>
-          </p:nvPr>
-        </p:nvSpPr>
-        <p:spPr/>
-        <p:txBody>
-          <a:bodyPr/>
-          <a:lstStyle/>
-          <a:p>
-            <a:r>
-              <a:rPr lang="zh-CN" altLang="en-US" dirty="0"/>
-              <a:t>图片展示</a:t>
-            </a:r>
-          </a:p>
-        </p:txBody>
-      </p:sp>
-      <p:pic>
-        <p:nvPicPr>
-          <p:cNvPr id="4" name="内容占位符 3">
-            <a:extLst>
-              <a:ext uri="{FF2B5EF4-FFF2-40B4-BE49-F238E27FC236}">
-                <a16:creationId xmlns:a16="http://schemas.microsoft.com/office/drawing/2014/main" id="{74729731-6114-6593-B318-F916444D0B60}"/>
-              </a:ext>
-            </a:extLst>
-          </p:cNvPr>
-          <p:cNvPicPr>
-            <a:picLocks noGrp="1" noChangeAspect="1"/>
-          </p:cNvPicPr>
-          <p:nvPr>
-            <p:ph idx="1"/>
-          </p:nvPr>
-        </p:nvPicPr>
-        <p:blipFill>
-          <a:blip r:embed="rId2">
-            <a:extLst>
-              <a:ext uri="{28A0092B-C50C-407E-A947-70E740481C1C}">
-                <a14:useLocalDpi xmlns:a14="http://schemas.microsoft.com/office/drawing/2010/main" val="0"/>
-              </a:ext>
-            </a:extLst>
-          </a:blip>
-          <a:stretch>
-            <a:fillRect/>
-          </a:stretch>
-        </p:blipFill>
-        <p:spPr>
-          <a:xfrm>
-            <a:off x="1688646" y="2490788"/>
-            <a:ext cx="5774645" cy="3444875"/>
-          </a:xfrm>
-        </p:spPr>
-      </p:pic>
-    </p:spTree>
-    <p:extLst>
-      <p:ext uri="{BB962C8B-B14F-4D97-AF65-F5344CB8AC3E}">
-        <p14:creationId xmlns:p14="http://schemas.microsoft.com/office/powerpoint/2010/main" val="3448539751"/>
-      </p:ext>
-    </p:extLst>
-  </p:cSld>
-  <p:clrMapOvr>
-    <a:masterClrMapping/>
-  </p:clrMapOvr>
-</p:sld>
-</file>
-
-<file path=ppt/slides/slide8.xml><?xml version="1.0" encoding="utf-8"?>
-<p:sld xmlns:a="http://schemas.openxmlformats.org/drawingml/2006/main" xmlns:r="http://schemas.openxmlformats.org/officeDocument/2006/relationships" xmlns:p="http://schemas.openxmlformats.org/presentationml/2006/main">
-  <p:cSld>
-    <p:spTree>
-      <p:nvGrpSpPr>
-        <p:cNvPr id="1" name=""/>
-        <p:cNvGrpSpPr/>
-        <p:nvPr/>
-      </p:nvGrpSpPr>
-      <p:grpSpPr>
-        <a:xfrm>
-          <a:off x="0" y="0"/>
-          <a:ext cx="0" cy="0"/>
-          <a:chOff x="0" y="0"/>
-          <a:chExt cx="0" cy="0"/>
-        </a:xfrm>
-      </p:grpSpPr>
-      <p:sp>
-        <p:nvSpPr>
-          <p:cNvPr id="2" name="标题 1">
-            <a:extLst>
-              <a:ext uri="{FF2B5EF4-FFF2-40B4-BE49-F238E27FC236}">
-                <a16:creationId xmlns:a16="http://schemas.microsoft.com/office/drawing/2014/main" id="{A2ACC7AE-9986-82B4-F467-836DC4602F8E}"/>
-              </a:ext>
-            </a:extLst>
-          </p:cNvPr>
-          <p:cNvSpPr>
-            <a:spLocks noGrp="1"/>
-          </p:cNvSpPr>
-          <p:nvPr>
-            <p:ph type="title"/>
-          </p:nvPr>
-        </p:nvSpPr>
-        <p:spPr/>
-        <p:txBody>
-          <a:bodyPr/>
-          <a:lstStyle/>
-          <a:p>
-            <a:r>
-              <a:rPr lang="zh-CN" altLang="en-US" dirty="0"/>
-              <a:t>图片展示</a:t>
-            </a:r>
-          </a:p>
-        </p:txBody>
-      </p:sp>
-      <p:pic>
-        <p:nvPicPr>
-          <p:cNvPr id="4" name="内容占位符 3">
-            <a:extLst>
-              <a:ext uri="{FF2B5EF4-FFF2-40B4-BE49-F238E27FC236}">
-                <a16:creationId xmlns:a16="http://schemas.microsoft.com/office/drawing/2014/main" id="{EFDDE758-057A-BEDA-C5F3-621941D0F1EC}"/>
-              </a:ext>
-            </a:extLst>
-          </p:cNvPr>
-          <p:cNvPicPr>
-            <a:picLocks noGrp="1" noChangeAspect="1"/>
-          </p:cNvPicPr>
-          <p:nvPr>
-            <p:ph idx="1"/>
-          </p:nvPr>
-        </p:nvPicPr>
-        <p:blipFill>
-          <a:blip r:embed="rId2">
-            <a:extLst>
-              <a:ext uri="{28A0092B-C50C-407E-A947-70E740481C1C}">
-                <a14:useLocalDpi xmlns:a14="http://schemas.microsoft.com/office/drawing/2010/main" val="0"/>
-              </a:ext>
-            </a:extLst>
-          </a:blip>
-          <a:stretch>
-            <a:fillRect/>
-          </a:stretch>
-        </p:blipFill>
-        <p:spPr>
-          <a:xfrm>
-            <a:off x="1688646" y="2490788"/>
-            <a:ext cx="5774645" cy="3444875"/>
-          </a:xfrm>
-        </p:spPr>
-      </p:pic>
-    </p:spTree>
-    <p:extLst>
-      <p:ext uri="{BB962C8B-B14F-4D97-AF65-F5344CB8AC3E}">
-        <p14:creationId xmlns:p14="http://schemas.microsoft.com/office/powerpoint/2010/main" val="1037271371"/>
-      </p:ext>
-    </p:extLst>
-  </p:cSld>
-  <p:clrMapOvr>
-    <a:masterClrMapping/>
-  </p:clrMapOvr>
-</p:sld>
-</file>
-
-<file path=ppt/slides/slide9.xml><?xml version="1.0" encoding="utf-8"?>
-<p:sld xmlns:a="http://schemas.openxmlformats.org/drawingml/2006/main" xmlns:r="http://schemas.openxmlformats.org/officeDocument/2006/relationships" xmlns:p="http://schemas.openxmlformats.org/presentationml/2006/main">
-  <p:cSld>
-    <p:spTree>
-      <p:nvGrpSpPr>
-        <p:cNvPr id="1" name=""/>
-        <p:cNvGrpSpPr/>
-        <p:nvPr/>
-      </p:nvGrpSpPr>
-      <p:grpSpPr>
-        <a:xfrm>
-          <a:off x="0" y="0"/>
-          <a:ext cx="0" cy="0"/>
-          <a:chOff x="0" y="0"/>
-          <a:chExt cx="0" cy="0"/>
-        </a:xfrm>
-      </p:grpSpPr>
-      <p:sp>
-        <p:nvSpPr>
-          <p:cNvPr id="2" name="标题 1">
-            <a:extLst>
-              <a:ext uri="{FF2B5EF4-FFF2-40B4-BE49-F238E27FC236}">
-                <a16:creationId xmlns:a16="http://schemas.microsoft.com/office/drawing/2014/main" id="{A2ACC7AE-9986-82B4-F467-836DC4602F8E}"/>
-              </a:ext>
-            </a:extLst>
-          </p:cNvPr>
-          <p:cNvSpPr>
-            <a:spLocks noGrp="1"/>
-          </p:cNvSpPr>
-          <p:nvPr>
-            <p:ph type="title"/>
-          </p:nvPr>
-        </p:nvSpPr>
-        <p:spPr/>
-        <p:txBody>
-          <a:bodyPr/>
-          <a:lstStyle/>
-          <a:p>
-            <a:r>
-              <a:rPr lang="zh-CN" altLang="en-US" dirty="0"/>
-              <a:t>图片展示</a:t>
-            </a:r>
-          </a:p>
-        </p:txBody>
-      </p:sp>
-      <p:pic>
-        <p:nvPicPr>
-          <p:cNvPr id="4" name="内容占位符 3">
-            <a:extLst>
-              <a:ext uri="{FF2B5EF4-FFF2-40B4-BE49-F238E27FC236}">
-                <a16:creationId xmlns:a16="http://schemas.microsoft.com/office/drawing/2014/main" id="{5EA34985-A183-D91B-B9C9-80F805EBE87E}"/>
-              </a:ext>
-            </a:extLst>
-          </p:cNvPr>
-          <p:cNvPicPr>
-            <a:picLocks noGrp="1" noChangeAspect="1"/>
-          </p:cNvPicPr>
-          <p:nvPr>
-            <p:ph idx="1"/>
-          </p:nvPr>
-        </p:nvPicPr>
-        <p:blipFill>
-          <a:blip r:embed="rId2">
-            <a:extLst>
-              <a:ext uri="{28A0092B-C50C-407E-A947-70E740481C1C}">
-                <a14:useLocalDpi xmlns:a14="http://schemas.microsoft.com/office/drawing/2010/main" val="0"/>
-              </a:ext>
-            </a:extLst>
-          </a:blip>
-          <a:stretch>
-            <a:fillRect/>
-          </a:stretch>
-        </p:blipFill>
-        <p:spPr>
-          <a:xfrm>
-            <a:off x="1688646" y="2490788"/>
-            <a:ext cx="5774645" cy="3444875"/>
-          </a:xfrm>
-        </p:spPr>
-      </p:pic>
-    </p:spTree>
-    <p:extLst>
-      <p:ext uri="{BB962C8B-B14F-4D97-AF65-F5344CB8AC3E}">
-        <p14:creationId xmlns:p14="http://schemas.microsoft.com/office/powerpoint/2010/main" val="2977989966"/>
+        <p14:creationId xmlns:p14="http://schemas.microsoft.com/office/powerpoint/2010/main" val="2218653869"/>
       </p:ext>
     </p:extLst>
   </p:cSld>

--- a/introduction/egs.pptx
+++ b/introduction/egs.pptx
@@ -6311,10 +6311,9 @@
           <a:lstStyle/>
           <a:p>
             <a:r>
-              <a:rPr lang="zh-CN" altLang="en-US"/>
-              <a:t>配置文件中配置项的相关教程已在配置文件中用注释被写清楚，其他内容的相关教程可以通过点击这张图片查看。此外，应本站要求，此插件的指令和权限已也被添加到此图的下方</a:t>
-            </a:r>
-            <a:endParaRPr lang="zh-CN" altLang="en-US" dirty="0"/>
+              <a:rPr lang="zh-CN" altLang="en-US" dirty="0"/>
+              <a:t>配置文件中配置项的相关教程已在配置文件中用注释被写清楚，其他内容的相关教程可以通过点击这张图片查看。此外，应本站要求，此插件的指令和权限相关内容已被添加到此图的下方</a:t>
+            </a:r>
           </a:p>
         </p:txBody>
       </p:sp>
